--- a/ppt 16-9/0950.是谁为主.pptx
+++ b/ppt 16-9/0950.是谁为主.pptx
@@ -129,7 +129,7 @@
           <p:cNvPr id="2" name="标题 1">
             <a:extLst>
               <a:ext uri="{FF2B5EF4-FFF2-40B4-BE49-F238E27FC236}">
-                <a16:creationId xmlns:a16="http://schemas.microsoft.com/office/drawing/2014/main" id="{DD6F56A6-3E10-8DAF-CCB8-312A3396D758}"/>
+                <a16:creationId xmlns:a16="http://schemas.microsoft.com/office/drawing/2014/main" id="{2E0563E9-77AD-9C64-C8A0-5ECDB2763D31}"/>
               </a:ext>
             </a:extLst>
           </p:cNvPr>
@@ -166,7 +166,7 @@
           <p:cNvPr id="3" name="副标题 2">
             <a:extLst>
               <a:ext uri="{FF2B5EF4-FFF2-40B4-BE49-F238E27FC236}">
-                <a16:creationId xmlns:a16="http://schemas.microsoft.com/office/drawing/2014/main" id="{7DAF9F78-28F6-CBC4-7705-31E0F6098232}"/>
+                <a16:creationId xmlns:a16="http://schemas.microsoft.com/office/drawing/2014/main" id="{42B1006B-1B1A-B47C-DF8D-12DC17FD4C4A}"/>
               </a:ext>
             </a:extLst>
           </p:cNvPr>
@@ -236,7 +236,7 @@
           <p:cNvPr id="4" name="日期占位符 3">
             <a:extLst>
               <a:ext uri="{FF2B5EF4-FFF2-40B4-BE49-F238E27FC236}">
-                <a16:creationId xmlns:a16="http://schemas.microsoft.com/office/drawing/2014/main" id="{54CB081D-7DEA-01E2-5081-186D94273E56}"/>
+                <a16:creationId xmlns:a16="http://schemas.microsoft.com/office/drawing/2014/main" id="{288D3F9C-25F7-C309-1F51-9385696DAD02}"/>
               </a:ext>
             </a:extLst>
           </p:cNvPr>
@@ -252,7 +252,7 @@
           <a:bodyPr/>
           <a:lstStyle/>
           <a:p>
-            <a:fld id="{8A0DCBBA-6041-45D5-BB47-FE98007F587C}" type="datetimeFigureOut">
+            <a:fld id="{4856C0A6-97CD-4C65-BA4F-DD3A8ED0C554}" type="datetimeFigureOut">
               <a:rPr lang="zh-CN" altLang="en-US" smtClean="0"/>
               <a:t>2024/3/10</a:t>
             </a:fld>
@@ -265,7 +265,7 @@
           <p:cNvPr id="5" name="页脚占位符 4">
             <a:extLst>
               <a:ext uri="{FF2B5EF4-FFF2-40B4-BE49-F238E27FC236}">
-                <a16:creationId xmlns:a16="http://schemas.microsoft.com/office/drawing/2014/main" id="{7B18D2B4-7542-3CF1-E07D-63DB543DA2BC}"/>
+                <a16:creationId xmlns:a16="http://schemas.microsoft.com/office/drawing/2014/main" id="{A4A0BEDA-19A1-24CB-6471-E1AE5F9C746E}"/>
               </a:ext>
             </a:extLst>
           </p:cNvPr>
@@ -290,7 +290,7 @@
           <p:cNvPr id="6" name="灯片编号占位符 5">
             <a:extLst>
               <a:ext uri="{FF2B5EF4-FFF2-40B4-BE49-F238E27FC236}">
-                <a16:creationId xmlns:a16="http://schemas.microsoft.com/office/drawing/2014/main" id="{5A3C657D-4BDA-8C4E-58D7-98385AA7DE40}"/>
+                <a16:creationId xmlns:a16="http://schemas.microsoft.com/office/drawing/2014/main" id="{0AD2B1BC-C3BF-6816-8C2B-A0B98273E1A2}"/>
               </a:ext>
             </a:extLst>
           </p:cNvPr>
@@ -306,7 +306,7 @@
           <a:bodyPr/>
           <a:lstStyle/>
           <a:p>
-            <a:fld id="{52D721DD-80AD-42B4-B19A-83F4AFCF0740}" type="slidenum">
+            <a:fld id="{F06DA613-E83C-418E-8A67-312DCBF680E4}" type="slidenum">
               <a:rPr lang="zh-CN" altLang="en-US" smtClean="0"/>
               <a:t>‹#›</a:t>
             </a:fld>
@@ -317,7 +317,7 @@
     </p:spTree>
     <p:extLst>
       <p:ext uri="{BB962C8B-B14F-4D97-AF65-F5344CB8AC3E}">
-        <p14:creationId xmlns:p14="http://schemas.microsoft.com/office/powerpoint/2010/main" val="899896657"/>
+        <p14:creationId xmlns:p14="http://schemas.microsoft.com/office/powerpoint/2010/main" val="4128717624"/>
       </p:ext>
     </p:extLst>
   </p:cSld>
@@ -349,7 +349,7 @@
           <p:cNvPr id="2" name="标题 1">
             <a:extLst>
               <a:ext uri="{FF2B5EF4-FFF2-40B4-BE49-F238E27FC236}">
-                <a16:creationId xmlns:a16="http://schemas.microsoft.com/office/drawing/2014/main" id="{EFDD621C-4AB3-4535-0D5C-CA0AF7447097}"/>
+                <a16:creationId xmlns:a16="http://schemas.microsoft.com/office/drawing/2014/main" id="{C9F99446-6468-EB91-7B5C-D8071A7BF386}"/>
               </a:ext>
             </a:extLst>
           </p:cNvPr>
@@ -377,7 +377,7 @@
           <p:cNvPr id="3" name="竖排文字占位符 2">
             <a:extLst>
               <a:ext uri="{FF2B5EF4-FFF2-40B4-BE49-F238E27FC236}">
-                <a16:creationId xmlns:a16="http://schemas.microsoft.com/office/drawing/2014/main" id="{E8C0A646-B10A-03E7-AC23-F4E7A3161777}"/>
+                <a16:creationId xmlns:a16="http://schemas.microsoft.com/office/drawing/2014/main" id="{62AC674A-C3B8-D08A-4D0F-C3C54B569CFC}"/>
               </a:ext>
             </a:extLst>
           </p:cNvPr>
@@ -434,7 +434,7 @@
           <p:cNvPr id="4" name="日期占位符 3">
             <a:extLst>
               <a:ext uri="{FF2B5EF4-FFF2-40B4-BE49-F238E27FC236}">
-                <a16:creationId xmlns:a16="http://schemas.microsoft.com/office/drawing/2014/main" id="{A4C0CE98-41E2-A4AD-9064-DBA826D731F8}"/>
+                <a16:creationId xmlns:a16="http://schemas.microsoft.com/office/drawing/2014/main" id="{D7412991-E910-CEAD-2BDA-37E9D90B5796}"/>
               </a:ext>
             </a:extLst>
           </p:cNvPr>
@@ -450,7 +450,7 @@
           <a:bodyPr/>
           <a:lstStyle/>
           <a:p>
-            <a:fld id="{8A0DCBBA-6041-45D5-BB47-FE98007F587C}" type="datetimeFigureOut">
+            <a:fld id="{4856C0A6-97CD-4C65-BA4F-DD3A8ED0C554}" type="datetimeFigureOut">
               <a:rPr lang="zh-CN" altLang="en-US" smtClean="0"/>
               <a:t>2024/3/10</a:t>
             </a:fld>
@@ -463,7 +463,7 @@
           <p:cNvPr id="5" name="页脚占位符 4">
             <a:extLst>
               <a:ext uri="{FF2B5EF4-FFF2-40B4-BE49-F238E27FC236}">
-                <a16:creationId xmlns:a16="http://schemas.microsoft.com/office/drawing/2014/main" id="{5F084DAA-061B-1AD3-DCEA-04902EE93F14}"/>
+                <a16:creationId xmlns:a16="http://schemas.microsoft.com/office/drawing/2014/main" id="{8463A419-B5D8-15DD-9449-E3D52198B3D5}"/>
               </a:ext>
             </a:extLst>
           </p:cNvPr>
@@ -488,7 +488,7 @@
           <p:cNvPr id="6" name="灯片编号占位符 5">
             <a:extLst>
               <a:ext uri="{FF2B5EF4-FFF2-40B4-BE49-F238E27FC236}">
-                <a16:creationId xmlns:a16="http://schemas.microsoft.com/office/drawing/2014/main" id="{7491D008-27FF-19AE-D0E9-F4C70F8AEB46}"/>
+                <a16:creationId xmlns:a16="http://schemas.microsoft.com/office/drawing/2014/main" id="{271FD7AE-A398-740B-F7E0-D1741F1B6750}"/>
               </a:ext>
             </a:extLst>
           </p:cNvPr>
@@ -504,7 +504,7 @@
           <a:bodyPr/>
           <a:lstStyle/>
           <a:p>
-            <a:fld id="{52D721DD-80AD-42B4-B19A-83F4AFCF0740}" type="slidenum">
+            <a:fld id="{F06DA613-E83C-418E-8A67-312DCBF680E4}" type="slidenum">
               <a:rPr lang="zh-CN" altLang="en-US" smtClean="0"/>
               <a:t>‹#›</a:t>
             </a:fld>
@@ -515,7 +515,7 @@
     </p:spTree>
     <p:extLst>
       <p:ext uri="{BB962C8B-B14F-4D97-AF65-F5344CB8AC3E}">
-        <p14:creationId xmlns:p14="http://schemas.microsoft.com/office/powerpoint/2010/main" val="1485772168"/>
+        <p14:creationId xmlns:p14="http://schemas.microsoft.com/office/powerpoint/2010/main" val="835452003"/>
       </p:ext>
     </p:extLst>
   </p:cSld>
@@ -547,7 +547,7 @@
           <p:cNvPr id="2" name="竖排标题 1">
             <a:extLst>
               <a:ext uri="{FF2B5EF4-FFF2-40B4-BE49-F238E27FC236}">
-                <a16:creationId xmlns:a16="http://schemas.microsoft.com/office/drawing/2014/main" id="{41CABD54-56E5-7A29-29A8-22685CEC0913}"/>
+                <a16:creationId xmlns:a16="http://schemas.microsoft.com/office/drawing/2014/main" id="{1FB39901-BA4F-1F91-AFD5-FB65A3548641}"/>
               </a:ext>
             </a:extLst>
           </p:cNvPr>
@@ -580,7 +580,7 @@
           <p:cNvPr id="3" name="竖排文字占位符 2">
             <a:extLst>
               <a:ext uri="{FF2B5EF4-FFF2-40B4-BE49-F238E27FC236}">
-                <a16:creationId xmlns:a16="http://schemas.microsoft.com/office/drawing/2014/main" id="{9EDE877D-A215-5A27-0BEE-0CB948156CB6}"/>
+                <a16:creationId xmlns:a16="http://schemas.microsoft.com/office/drawing/2014/main" id="{2B8C0341-7FD8-8099-74FC-DA20EDE90E9C}"/>
               </a:ext>
             </a:extLst>
           </p:cNvPr>
@@ -642,7 +642,7 @@
           <p:cNvPr id="4" name="日期占位符 3">
             <a:extLst>
               <a:ext uri="{FF2B5EF4-FFF2-40B4-BE49-F238E27FC236}">
-                <a16:creationId xmlns:a16="http://schemas.microsoft.com/office/drawing/2014/main" id="{CBCC2992-F7B8-102F-4A93-CEE7925DB0E0}"/>
+                <a16:creationId xmlns:a16="http://schemas.microsoft.com/office/drawing/2014/main" id="{15D85FF5-2201-47F5-93B1-0B1727B49CBE}"/>
               </a:ext>
             </a:extLst>
           </p:cNvPr>
@@ -658,7 +658,7 @@
           <a:bodyPr/>
           <a:lstStyle/>
           <a:p>
-            <a:fld id="{8A0DCBBA-6041-45D5-BB47-FE98007F587C}" type="datetimeFigureOut">
+            <a:fld id="{4856C0A6-97CD-4C65-BA4F-DD3A8ED0C554}" type="datetimeFigureOut">
               <a:rPr lang="zh-CN" altLang="en-US" smtClean="0"/>
               <a:t>2024/3/10</a:t>
             </a:fld>
@@ -671,7 +671,7 @@
           <p:cNvPr id="5" name="页脚占位符 4">
             <a:extLst>
               <a:ext uri="{FF2B5EF4-FFF2-40B4-BE49-F238E27FC236}">
-                <a16:creationId xmlns:a16="http://schemas.microsoft.com/office/drawing/2014/main" id="{5A13C5E0-7D6F-1950-0248-566CC0301765}"/>
+                <a16:creationId xmlns:a16="http://schemas.microsoft.com/office/drawing/2014/main" id="{CAD1DEA0-5817-5F57-2B45-24853643322A}"/>
               </a:ext>
             </a:extLst>
           </p:cNvPr>
@@ -696,7 +696,7 @@
           <p:cNvPr id="6" name="灯片编号占位符 5">
             <a:extLst>
               <a:ext uri="{FF2B5EF4-FFF2-40B4-BE49-F238E27FC236}">
-                <a16:creationId xmlns:a16="http://schemas.microsoft.com/office/drawing/2014/main" id="{4BFC3FB6-915C-6CE9-6F11-ACA8CE652E5B}"/>
+                <a16:creationId xmlns:a16="http://schemas.microsoft.com/office/drawing/2014/main" id="{93D3DD4B-2A7E-1188-6129-C08FC5C8F3F4}"/>
               </a:ext>
             </a:extLst>
           </p:cNvPr>
@@ -712,7 +712,7 @@
           <a:bodyPr/>
           <a:lstStyle/>
           <a:p>
-            <a:fld id="{52D721DD-80AD-42B4-B19A-83F4AFCF0740}" type="slidenum">
+            <a:fld id="{F06DA613-E83C-418E-8A67-312DCBF680E4}" type="slidenum">
               <a:rPr lang="zh-CN" altLang="en-US" smtClean="0"/>
               <a:t>‹#›</a:t>
             </a:fld>
@@ -723,7 +723,7 @@
     </p:spTree>
     <p:extLst>
       <p:ext uri="{BB962C8B-B14F-4D97-AF65-F5344CB8AC3E}">
-        <p14:creationId xmlns:p14="http://schemas.microsoft.com/office/powerpoint/2010/main" val="3685496754"/>
+        <p14:creationId xmlns:p14="http://schemas.microsoft.com/office/powerpoint/2010/main" val="4025614709"/>
       </p:ext>
     </p:extLst>
   </p:cSld>
@@ -755,7 +755,7 @@
           <p:cNvPr id="2" name="标题 1">
             <a:extLst>
               <a:ext uri="{FF2B5EF4-FFF2-40B4-BE49-F238E27FC236}">
-                <a16:creationId xmlns:a16="http://schemas.microsoft.com/office/drawing/2014/main" id="{4187CCF1-43D6-5D5F-E66B-4F8C013C04C8}"/>
+                <a16:creationId xmlns:a16="http://schemas.microsoft.com/office/drawing/2014/main" id="{E7DDE3CC-657D-EF22-B9F7-4CF7746F5397}"/>
               </a:ext>
             </a:extLst>
           </p:cNvPr>
@@ -783,7 +783,7 @@
           <p:cNvPr id="3" name="内容占位符 2">
             <a:extLst>
               <a:ext uri="{FF2B5EF4-FFF2-40B4-BE49-F238E27FC236}">
-                <a16:creationId xmlns:a16="http://schemas.microsoft.com/office/drawing/2014/main" id="{F262F617-1045-801D-054C-7C8AE50B7F25}"/>
+                <a16:creationId xmlns:a16="http://schemas.microsoft.com/office/drawing/2014/main" id="{9572D07A-E898-9E7E-4026-B292503C3080}"/>
               </a:ext>
             </a:extLst>
           </p:cNvPr>
@@ -840,7 +840,7 @@
           <p:cNvPr id="4" name="日期占位符 3">
             <a:extLst>
               <a:ext uri="{FF2B5EF4-FFF2-40B4-BE49-F238E27FC236}">
-                <a16:creationId xmlns:a16="http://schemas.microsoft.com/office/drawing/2014/main" id="{0B6462DF-CF2D-9E35-8B77-106F5B78986F}"/>
+                <a16:creationId xmlns:a16="http://schemas.microsoft.com/office/drawing/2014/main" id="{F3AF04F8-3A3D-EE54-2DC9-2590896100CF}"/>
               </a:ext>
             </a:extLst>
           </p:cNvPr>
@@ -856,7 +856,7 @@
           <a:bodyPr/>
           <a:lstStyle/>
           <a:p>
-            <a:fld id="{8A0DCBBA-6041-45D5-BB47-FE98007F587C}" type="datetimeFigureOut">
+            <a:fld id="{4856C0A6-97CD-4C65-BA4F-DD3A8ED0C554}" type="datetimeFigureOut">
               <a:rPr lang="zh-CN" altLang="en-US" smtClean="0"/>
               <a:t>2024/3/10</a:t>
             </a:fld>
@@ -869,7 +869,7 @@
           <p:cNvPr id="5" name="页脚占位符 4">
             <a:extLst>
               <a:ext uri="{FF2B5EF4-FFF2-40B4-BE49-F238E27FC236}">
-                <a16:creationId xmlns:a16="http://schemas.microsoft.com/office/drawing/2014/main" id="{7CE63BC1-5A94-B69C-A065-881C5A10CD35}"/>
+                <a16:creationId xmlns:a16="http://schemas.microsoft.com/office/drawing/2014/main" id="{55FECA65-5415-0B81-660C-1D2C008DE904}"/>
               </a:ext>
             </a:extLst>
           </p:cNvPr>
@@ -894,7 +894,7 @@
           <p:cNvPr id="6" name="灯片编号占位符 5">
             <a:extLst>
               <a:ext uri="{FF2B5EF4-FFF2-40B4-BE49-F238E27FC236}">
-                <a16:creationId xmlns:a16="http://schemas.microsoft.com/office/drawing/2014/main" id="{BA1FBC7F-9804-5B06-60F4-D7BC74F5D321}"/>
+                <a16:creationId xmlns:a16="http://schemas.microsoft.com/office/drawing/2014/main" id="{CD862326-4EFD-3870-5E9A-242792636947}"/>
               </a:ext>
             </a:extLst>
           </p:cNvPr>
@@ -910,7 +910,7 @@
           <a:bodyPr/>
           <a:lstStyle/>
           <a:p>
-            <a:fld id="{52D721DD-80AD-42B4-B19A-83F4AFCF0740}" type="slidenum">
+            <a:fld id="{F06DA613-E83C-418E-8A67-312DCBF680E4}" type="slidenum">
               <a:rPr lang="zh-CN" altLang="en-US" smtClean="0"/>
               <a:t>‹#›</a:t>
             </a:fld>
@@ -921,7 +921,7 @@
     </p:spTree>
     <p:extLst>
       <p:ext uri="{BB962C8B-B14F-4D97-AF65-F5344CB8AC3E}">
-        <p14:creationId xmlns:p14="http://schemas.microsoft.com/office/powerpoint/2010/main" val="1834479172"/>
+        <p14:creationId xmlns:p14="http://schemas.microsoft.com/office/powerpoint/2010/main" val="3866705217"/>
       </p:ext>
     </p:extLst>
   </p:cSld>
@@ -953,7 +953,7 @@
           <p:cNvPr id="2" name="标题 1">
             <a:extLst>
               <a:ext uri="{FF2B5EF4-FFF2-40B4-BE49-F238E27FC236}">
-                <a16:creationId xmlns:a16="http://schemas.microsoft.com/office/drawing/2014/main" id="{15B5E26D-D339-D934-8C37-9987F98E6B42}"/>
+                <a16:creationId xmlns:a16="http://schemas.microsoft.com/office/drawing/2014/main" id="{E692BAD3-BB5F-7AA0-D86D-9D51BF898E4F}"/>
               </a:ext>
             </a:extLst>
           </p:cNvPr>
@@ -990,7 +990,7 @@
           <p:cNvPr id="3" name="文本占位符 2">
             <a:extLst>
               <a:ext uri="{FF2B5EF4-FFF2-40B4-BE49-F238E27FC236}">
-                <a16:creationId xmlns:a16="http://schemas.microsoft.com/office/drawing/2014/main" id="{3215C617-137F-52F6-97F6-BCFF8EC17A38}"/>
+                <a16:creationId xmlns:a16="http://schemas.microsoft.com/office/drawing/2014/main" id="{5CAEA586-8874-E8E9-D3E6-6627FD6896F9}"/>
               </a:ext>
             </a:extLst>
           </p:cNvPr>
@@ -1115,7 +1115,7 @@
           <p:cNvPr id="4" name="日期占位符 3">
             <a:extLst>
               <a:ext uri="{FF2B5EF4-FFF2-40B4-BE49-F238E27FC236}">
-                <a16:creationId xmlns:a16="http://schemas.microsoft.com/office/drawing/2014/main" id="{291E9E6E-BBE2-D1FD-00CC-AAA9620BD140}"/>
+                <a16:creationId xmlns:a16="http://schemas.microsoft.com/office/drawing/2014/main" id="{DBAE24A1-7780-FA56-46DA-F7D13CA58AE5}"/>
               </a:ext>
             </a:extLst>
           </p:cNvPr>
@@ -1131,7 +1131,7 @@
           <a:bodyPr/>
           <a:lstStyle/>
           <a:p>
-            <a:fld id="{8A0DCBBA-6041-45D5-BB47-FE98007F587C}" type="datetimeFigureOut">
+            <a:fld id="{4856C0A6-97CD-4C65-BA4F-DD3A8ED0C554}" type="datetimeFigureOut">
               <a:rPr lang="zh-CN" altLang="en-US" smtClean="0"/>
               <a:t>2024/3/10</a:t>
             </a:fld>
@@ -1144,7 +1144,7 @@
           <p:cNvPr id="5" name="页脚占位符 4">
             <a:extLst>
               <a:ext uri="{FF2B5EF4-FFF2-40B4-BE49-F238E27FC236}">
-                <a16:creationId xmlns:a16="http://schemas.microsoft.com/office/drawing/2014/main" id="{F7166AE9-F22F-3030-CE05-CD89A21EEBBB}"/>
+                <a16:creationId xmlns:a16="http://schemas.microsoft.com/office/drawing/2014/main" id="{8AD22910-4EB9-FB10-E35E-4CCC4C651527}"/>
               </a:ext>
             </a:extLst>
           </p:cNvPr>
@@ -1169,7 +1169,7 @@
           <p:cNvPr id="6" name="灯片编号占位符 5">
             <a:extLst>
               <a:ext uri="{FF2B5EF4-FFF2-40B4-BE49-F238E27FC236}">
-                <a16:creationId xmlns:a16="http://schemas.microsoft.com/office/drawing/2014/main" id="{87D1ABF9-C4AE-6921-FA57-A3D5DB5AC7B6}"/>
+                <a16:creationId xmlns:a16="http://schemas.microsoft.com/office/drawing/2014/main" id="{A04FFA68-13B7-FE1E-6BAD-BEDD008C4C04}"/>
               </a:ext>
             </a:extLst>
           </p:cNvPr>
@@ -1185,7 +1185,7 @@
           <a:bodyPr/>
           <a:lstStyle/>
           <a:p>
-            <a:fld id="{52D721DD-80AD-42B4-B19A-83F4AFCF0740}" type="slidenum">
+            <a:fld id="{F06DA613-E83C-418E-8A67-312DCBF680E4}" type="slidenum">
               <a:rPr lang="zh-CN" altLang="en-US" smtClean="0"/>
               <a:t>‹#›</a:t>
             </a:fld>
@@ -1196,7 +1196,7 @@
     </p:spTree>
     <p:extLst>
       <p:ext uri="{BB962C8B-B14F-4D97-AF65-F5344CB8AC3E}">
-        <p14:creationId xmlns:p14="http://schemas.microsoft.com/office/powerpoint/2010/main" val="3904338520"/>
+        <p14:creationId xmlns:p14="http://schemas.microsoft.com/office/powerpoint/2010/main" val="2854482589"/>
       </p:ext>
     </p:extLst>
   </p:cSld>
@@ -1228,7 +1228,7 @@
           <p:cNvPr id="2" name="标题 1">
             <a:extLst>
               <a:ext uri="{FF2B5EF4-FFF2-40B4-BE49-F238E27FC236}">
-                <a16:creationId xmlns:a16="http://schemas.microsoft.com/office/drawing/2014/main" id="{59E4D71A-2B02-554B-7CBF-928E4B245E5D}"/>
+                <a16:creationId xmlns:a16="http://schemas.microsoft.com/office/drawing/2014/main" id="{573C890D-1A68-BA3C-7C7A-90B97571191F}"/>
               </a:ext>
             </a:extLst>
           </p:cNvPr>
@@ -1256,7 +1256,7 @@
           <p:cNvPr id="3" name="内容占位符 2">
             <a:extLst>
               <a:ext uri="{FF2B5EF4-FFF2-40B4-BE49-F238E27FC236}">
-                <a16:creationId xmlns:a16="http://schemas.microsoft.com/office/drawing/2014/main" id="{FF1D7039-0926-20DB-6A83-9ACEC8C816A0}"/>
+                <a16:creationId xmlns:a16="http://schemas.microsoft.com/office/drawing/2014/main" id="{B4EBFFED-5C44-BE48-DC3F-6CD23BE022ED}"/>
               </a:ext>
             </a:extLst>
           </p:cNvPr>
@@ -1318,7 +1318,7 @@
           <p:cNvPr id="4" name="内容占位符 3">
             <a:extLst>
               <a:ext uri="{FF2B5EF4-FFF2-40B4-BE49-F238E27FC236}">
-                <a16:creationId xmlns:a16="http://schemas.microsoft.com/office/drawing/2014/main" id="{F94CC325-D7B6-D051-6994-88669D00630E}"/>
+                <a16:creationId xmlns:a16="http://schemas.microsoft.com/office/drawing/2014/main" id="{D2B128F6-5E98-96CF-64C1-F175A1534490}"/>
               </a:ext>
             </a:extLst>
           </p:cNvPr>
@@ -1380,7 +1380,7 @@
           <p:cNvPr id="5" name="日期占位符 4">
             <a:extLst>
               <a:ext uri="{FF2B5EF4-FFF2-40B4-BE49-F238E27FC236}">
-                <a16:creationId xmlns:a16="http://schemas.microsoft.com/office/drawing/2014/main" id="{E84B22E8-3B04-EB8B-A6C0-F24676B91738}"/>
+                <a16:creationId xmlns:a16="http://schemas.microsoft.com/office/drawing/2014/main" id="{6CA7401F-F2D5-ABE9-2E8B-20D6A8848FD3}"/>
               </a:ext>
             </a:extLst>
           </p:cNvPr>
@@ -1396,7 +1396,7 @@
           <a:bodyPr/>
           <a:lstStyle/>
           <a:p>
-            <a:fld id="{8A0DCBBA-6041-45D5-BB47-FE98007F587C}" type="datetimeFigureOut">
+            <a:fld id="{4856C0A6-97CD-4C65-BA4F-DD3A8ED0C554}" type="datetimeFigureOut">
               <a:rPr lang="zh-CN" altLang="en-US" smtClean="0"/>
               <a:t>2024/3/10</a:t>
             </a:fld>
@@ -1409,7 +1409,7 @@
           <p:cNvPr id="6" name="页脚占位符 5">
             <a:extLst>
               <a:ext uri="{FF2B5EF4-FFF2-40B4-BE49-F238E27FC236}">
-                <a16:creationId xmlns:a16="http://schemas.microsoft.com/office/drawing/2014/main" id="{6796032C-132B-23AA-4BFB-5E9000FD5F00}"/>
+                <a16:creationId xmlns:a16="http://schemas.microsoft.com/office/drawing/2014/main" id="{C263568A-B8F8-1CB3-FE22-255F8DF981BE}"/>
               </a:ext>
             </a:extLst>
           </p:cNvPr>
@@ -1434,7 +1434,7 @@
           <p:cNvPr id="7" name="灯片编号占位符 6">
             <a:extLst>
               <a:ext uri="{FF2B5EF4-FFF2-40B4-BE49-F238E27FC236}">
-                <a16:creationId xmlns:a16="http://schemas.microsoft.com/office/drawing/2014/main" id="{9D54DF3B-FD1C-3D7B-02CA-1986EAC849AE}"/>
+                <a16:creationId xmlns:a16="http://schemas.microsoft.com/office/drawing/2014/main" id="{93933EF1-CB35-9D28-0D7B-5CDAEFD14902}"/>
               </a:ext>
             </a:extLst>
           </p:cNvPr>
@@ -1450,7 +1450,7 @@
           <a:bodyPr/>
           <a:lstStyle/>
           <a:p>
-            <a:fld id="{52D721DD-80AD-42B4-B19A-83F4AFCF0740}" type="slidenum">
+            <a:fld id="{F06DA613-E83C-418E-8A67-312DCBF680E4}" type="slidenum">
               <a:rPr lang="zh-CN" altLang="en-US" smtClean="0"/>
               <a:t>‹#›</a:t>
             </a:fld>
@@ -1461,7 +1461,7 @@
     </p:spTree>
     <p:extLst>
       <p:ext uri="{BB962C8B-B14F-4D97-AF65-F5344CB8AC3E}">
-        <p14:creationId xmlns:p14="http://schemas.microsoft.com/office/powerpoint/2010/main" val="1007173787"/>
+        <p14:creationId xmlns:p14="http://schemas.microsoft.com/office/powerpoint/2010/main" val="3610135293"/>
       </p:ext>
     </p:extLst>
   </p:cSld>
@@ -1493,7 +1493,7 @@
           <p:cNvPr id="2" name="标题 1">
             <a:extLst>
               <a:ext uri="{FF2B5EF4-FFF2-40B4-BE49-F238E27FC236}">
-                <a16:creationId xmlns:a16="http://schemas.microsoft.com/office/drawing/2014/main" id="{2E38C46C-AC60-82FE-EFFC-C0D047334D24}"/>
+                <a16:creationId xmlns:a16="http://schemas.microsoft.com/office/drawing/2014/main" id="{F811DE73-B94C-53C0-E836-74544FB8225F}"/>
               </a:ext>
             </a:extLst>
           </p:cNvPr>
@@ -1526,7 +1526,7 @@
           <p:cNvPr id="3" name="文本占位符 2">
             <a:extLst>
               <a:ext uri="{FF2B5EF4-FFF2-40B4-BE49-F238E27FC236}">
-                <a16:creationId xmlns:a16="http://schemas.microsoft.com/office/drawing/2014/main" id="{D510DBFA-0B76-6842-89A8-92DE1C1A0382}"/>
+                <a16:creationId xmlns:a16="http://schemas.microsoft.com/office/drawing/2014/main" id="{A6BA2681-BC6E-5E35-751A-77EEF27CE846}"/>
               </a:ext>
             </a:extLst>
           </p:cNvPr>
@@ -1597,7 +1597,7 @@
           <p:cNvPr id="4" name="内容占位符 3">
             <a:extLst>
               <a:ext uri="{FF2B5EF4-FFF2-40B4-BE49-F238E27FC236}">
-                <a16:creationId xmlns:a16="http://schemas.microsoft.com/office/drawing/2014/main" id="{D11417D0-0CBB-A50B-F42C-5940C134C960}"/>
+                <a16:creationId xmlns:a16="http://schemas.microsoft.com/office/drawing/2014/main" id="{313320EF-260F-4753-2C47-72F098704863}"/>
               </a:ext>
             </a:extLst>
           </p:cNvPr>
@@ -1659,7 +1659,7 @@
           <p:cNvPr id="5" name="文本占位符 4">
             <a:extLst>
               <a:ext uri="{FF2B5EF4-FFF2-40B4-BE49-F238E27FC236}">
-                <a16:creationId xmlns:a16="http://schemas.microsoft.com/office/drawing/2014/main" id="{33260EF3-2AD5-9CDC-F3E6-B805FF13779A}"/>
+                <a16:creationId xmlns:a16="http://schemas.microsoft.com/office/drawing/2014/main" id="{C27B5854-FA4C-DCA2-C83E-E4898504BA37}"/>
               </a:ext>
             </a:extLst>
           </p:cNvPr>
@@ -1730,7 +1730,7 @@
           <p:cNvPr id="6" name="内容占位符 5">
             <a:extLst>
               <a:ext uri="{FF2B5EF4-FFF2-40B4-BE49-F238E27FC236}">
-                <a16:creationId xmlns:a16="http://schemas.microsoft.com/office/drawing/2014/main" id="{E5E0C998-A149-B37B-1A24-3FB1D94BE15C}"/>
+                <a16:creationId xmlns:a16="http://schemas.microsoft.com/office/drawing/2014/main" id="{B70FC64E-719A-F931-34EB-8F5AA5B2DDE7}"/>
               </a:ext>
             </a:extLst>
           </p:cNvPr>
@@ -1792,7 +1792,7 @@
           <p:cNvPr id="7" name="日期占位符 6">
             <a:extLst>
               <a:ext uri="{FF2B5EF4-FFF2-40B4-BE49-F238E27FC236}">
-                <a16:creationId xmlns:a16="http://schemas.microsoft.com/office/drawing/2014/main" id="{71E79C5C-1691-8FD8-439A-3AAF52163399}"/>
+                <a16:creationId xmlns:a16="http://schemas.microsoft.com/office/drawing/2014/main" id="{033E4C5A-4F78-77BD-6C85-04D810011C36}"/>
               </a:ext>
             </a:extLst>
           </p:cNvPr>
@@ -1808,7 +1808,7 @@
           <a:bodyPr/>
           <a:lstStyle/>
           <a:p>
-            <a:fld id="{8A0DCBBA-6041-45D5-BB47-FE98007F587C}" type="datetimeFigureOut">
+            <a:fld id="{4856C0A6-97CD-4C65-BA4F-DD3A8ED0C554}" type="datetimeFigureOut">
               <a:rPr lang="zh-CN" altLang="en-US" smtClean="0"/>
               <a:t>2024/3/10</a:t>
             </a:fld>
@@ -1821,7 +1821,7 @@
           <p:cNvPr id="8" name="页脚占位符 7">
             <a:extLst>
               <a:ext uri="{FF2B5EF4-FFF2-40B4-BE49-F238E27FC236}">
-                <a16:creationId xmlns:a16="http://schemas.microsoft.com/office/drawing/2014/main" id="{A86C1AB5-5109-D968-6D8F-D5A908EFB580}"/>
+                <a16:creationId xmlns:a16="http://schemas.microsoft.com/office/drawing/2014/main" id="{CC7D614F-4732-BB7B-5C8E-5D3EB8150BB2}"/>
               </a:ext>
             </a:extLst>
           </p:cNvPr>
@@ -1846,7 +1846,7 @@
           <p:cNvPr id="9" name="灯片编号占位符 8">
             <a:extLst>
               <a:ext uri="{FF2B5EF4-FFF2-40B4-BE49-F238E27FC236}">
-                <a16:creationId xmlns:a16="http://schemas.microsoft.com/office/drawing/2014/main" id="{30120D80-24B6-F3AD-958C-F5D498451285}"/>
+                <a16:creationId xmlns:a16="http://schemas.microsoft.com/office/drawing/2014/main" id="{43B276F4-12F2-6E64-06C0-7397574C417C}"/>
               </a:ext>
             </a:extLst>
           </p:cNvPr>
@@ -1862,7 +1862,7 @@
           <a:bodyPr/>
           <a:lstStyle/>
           <a:p>
-            <a:fld id="{52D721DD-80AD-42B4-B19A-83F4AFCF0740}" type="slidenum">
+            <a:fld id="{F06DA613-E83C-418E-8A67-312DCBF680E4}" type="slidenum">
               <a:rPr lang="zh-CN" altLang="en-US" smtClean="0"/>
               <a:t>‹#›</a:t>
             </a:fld>
@@ -1873,7 +1873,7 @@
     </p:spTree>
     <p:extLst>
       <p:ext uri="{BB962C8B-B14F-4D97-AF65-F5344CB8AC3E}">
-        <p14:creationId xmlns:p14="http://schemas.microsoft.com/office/powerpoint/2010/main" val="998803755"/>
+        <p14:creationId xmlns:p14="http://schemas.microsoft.com/office/powerpoint/2010/main" val="847821119"/>
       </p:ext>
     </p:extLst>
   </p:cSld>
@@ -1905,7 +1905,7 @@
           <p:cNvPr id="2" name="标题 1">
             <a:extLst>
               <a:ext uri="{FF2B5EF4-FFF2-40B4-BE49-F238E27FC236}">
-                <a16:creationId xmlns:a16="http://schemas.microsoft.com/office/drawing/2014/main" id="{1DE3171D-5F00-CC74-0F2B-549D3F42FC7B}"/>
+                <a16:creationId xmlns:a16="http://schemas.microsoft.com/office/drawing/2014/main" id="{BCA94F0A-954D-6EB2-2C6B-D6692F98A151}"/>
               </a:ext>
             </a:extLst>
           </p:cNvPr>
@@ -1933,7 +1933,7 @@
           <p:cNvPr id="3" name="日期占位符 2">
             <a:extLst>
               <a:ext uri="{FF2B5EF4-FFF2-40B4-BE49-F238E27FC236}">
-                <a16:creationId xmlns:a16="http://schemas.microsoft.com/office/drawing/2014/main" id="{4D124852-92FF-B7F5-B599-C93E5539A67C}"/>
+                <a16:creationId xmlns:a16="http://schemas.microsoft.com/office/drawing/2014/main" id="{D44F0617-0BE5-3036-014D-9E9748196436}"/>
               </a:ext>
             </a:extLst>
           </p:cNvPr>
@@ -1949,7 +1949,7 @@
           <a:bodyPr/>
           <a:lstStyle/>
           <a:p>
-            <a:fld id="{8A0DCBBA-6041-45D5-BB47-FE98007F587C}" type="datetimeFigureOut">
+            <a:fld id="{4856C0A6-97CD-4C65-BA4F-DD3A8ED0C554}" type="datetimeFigureOut">
               <a:rPr lang="zh-CN" altLang="en-US" smtClean="0"/>
               <a:t>2024/3/10</a:t>
             </a:fld>
@@ -1962,7 +1962,7 @@
           <p:cNvPr id="4" name="页脚占位符 3">
             <a:extLst>
               <a:ext uri="{FF2B5EF4-FFF2-40B4-BE49-F238E27FC236}">
-                <a16:creationId xmlns:a16="http://schemas.microsoft.com/office/drawing/2014/main" id="{77F2F1AE-6AC6-2E50-A397-C41698D049CF}"/>
+                <a16:creationId xmlns:a16="http://schemas.microsoft.com/office/drawing/2014/main" id="{E9B02DD8-8867-E4D1-5B0D-BB5A83559841}"/>
               </a:ext>
             </a:extLst>
           </p:cNvPr>
@@ -1987,7 +1987,7 @@
           <p:cNvPr id="5" name="灯片编号占位符 4">
             <a:extLst>
               <a:ext uri="{FF2B5EF4-FFF2-40B4-BE49-F238E27FC236}">
-                <a16:creationId xmlns:a16="http://schemas.microsoft.com/office/drawing/2014/main" id="{5EDDFC5B-861F-210F-3522-912571E6233D}"/>
+                <a16:creationId xmlns:a16="http://schemas.microsoft.com/office/drawing/2014/main" id="{868F345C-F70D-8DCC-532E-C0FCE10D7DCE}"/>
               </a:ext>
             </a:extLst>
           </p:cNvPr>
@@ -2003,7 +2003,7 @@
           <a:bodyPr/>
           <a:lstStyle/>
           <a:p>
-            <a:fld id="{52D721DD-80AD-42B4-B19A-83F4AFCF0740}" type="slidenum">
+            <a:fld id="{F06DA613-E83C-418E-8A67-312DCBF680E4}" type="slidenum">
               <a:rPr lang="zh-CN" altLang="en-US" smtClean="0"/>
               <a:t>‹#›</a:t>
             </a:fld>
@@ -2014,7 +2014,7 @@
     </p:spTree>
     <p:extLst>
       <p:ext uri="{BB962C8B-B14F-4D97-AF65-F5344CB8AC3E}">
-        <p14:creationId xmlns:p14="http://schemas.microsoft.com/office/powerpoint/2010/main" val="3681402943"/>
+        <p14:creationId xmlns:p14="http://schemas.microsoft.com/office/powerpoint/2010/main" val="3866673781"/>
       </p:ext>
     </p:extLst>
   </p:cSld>
@@ -2046,7 +2046,7 @@
           <p:cNvPr id="2" name="日期占位符 1">
             <a:extLst>
               <a:ext uri="{FF2B5EF4-FFF2-40B4-BE49-F238E27FC236}">
-                <a16:creationId xmlns:a16="http://schemas.microsoft.com/office/drawing/2014/main" id="{F6413E0E-327F-2970-CE33-E709E648ABA7}"/>
+                <a16:creationId xmlns:a16="http://schemas.microsoft.com/office/drawing/2014/main" id="{B82BD36E-7F6D-2667-C554-E778B333D517}"/>
               </a:ext>
             </a:extLst>
           </p:cNvPr>
@@ -2062,7 +2062,7 @@
           <a:bodyPr/>
           <a:lstStyle/>
           <a:p>
-            <a:fld id="{8A0DCBBA-6041-45D5-BB47-FE98007F587C}" type="datetimeFigureOut">
+            <a:fld id="{4856C0A6-97CD-4C65-BA4F-DD3A8ED0C554}" type="datetimeFigureOut">
               <a:rPr lang="zh-CN" altLang="en-US" smtClean="0"/>
               <a:t>2024/3/10</a:t>
             </a:fld>
@@ -2075,7 +2075,7 @@
           <p:cNvPr id="3" name="页脚占位符 2">
             <a:extLst>
               <a:ext uri="{FF2B5EF4-FFF2-40B4-BE49-F238E27FC236}">
-                <a16:creationId xmlns:a16="http://schemas.microsoft.com/office/drawing/2014/main" id="{512D399F-FE15-52C1-0AA5-5475C30650EE}"/>
+                <a16:creationId xmlns:a16="http://schemas.microsoft.com/office/drawing/2014/main" id="{4F5FEC84-C768-533A-55D7-FE157B7FCA0E}"/>
               </a:ext>
             </a:extLst>
           </p:cNvPr>
@@ -2100,7 +2100,7 @@
           <p:cNvPr id="4" name="灯片编号占位符 3">
             <a:extLst>
               <a:ext uri="{FF2B5EF4-FFF2-40B4-BE49-F238E27FC236}">
-                <a16:creationId xmlns:a16="http://schemas.microsoft.com/office/drawing/2014/main" id="{2867B371-73CD-DA0C-7A69-EDFAD053A0D8}"/>
+                <a16:creationId xmlns:a16="http://schemas.microsoft.com/office/drawing/2014/main" id="{5A84F4BD-773F-1DA0-D064-B1C691A95A1C}"/>
               </a:ext>
             </a:extLst>
           </p:cNvPr>
@@ -2116,7 +2116,7 @@
           <a:bodyPr/>
           <a:lstStyle/>
           <a:p>
-            <a:fld id="{52D721DD-80AD-42B4-B19A-83F4AFCF0740}" type="slidenum">
+            <a:fld id="{F06DA613-E83C-418E-8A67-312DCBF680E4}" type="slidenum">
               <a:rPr lang="zh-CN" altLang="en-US" smtClean="0"/>
               <a:t>‹#›</a:t>
             </a:fld>
@@ -2127,7 +2127,7 @@
     </p:spTree>
     <p:extLst>
       <p:ext uri="{BB962C8B-B14F-4D97-AF65-F5344CB8AC3E}">
-        <p14:creationId xmlns:p14="http://schemas.microsoft.com/office/powerpoint/2010/main" val="1471755939"/>
+        <p14:creationId xmlns:p14="http://schemas.microsoft.com/office/powerpoint/2010/main" val="2182717309"/>
       </p:ext>
     </p:extLst>
   </p:cSld>
@@ -2159,7 +2159,7 @@
           <p:cNvPr id="2" name="标题 1">
             <a:extLst>
               <a:ext uri="{FF2B5EF4-FFF2-40B4-BE49-F238E27FC236}">
-                <a16:creationId xmlns:a16="http://schemas.microsoft.com/office/drawing/2014/main" id="{FA8644B0-BA9C-CB64-961B-C2F26E2DE102}"/>
+                <a16:creationId xmlns:a16="http://schemas.microsoft.com/office/drawing/2014/main" id="{6604089E-F555-5D9F-786B-74AC3E2C0CCE}"/>
               </a:ext>
             </a:extLst>
           </p:cNvPr>
@@ -2196,7 +2196,7 @@
           <p:cNvPr id="3" name="内容占位符 2">
             <a:extLst>
               <a:ext uri="{FF2B5EF4-FFF2-40B4-BE49-F238E27FC236}">
-                <a16:creationId xmlns:a16="http://schemas.microsoft.com/office/drawing/2014/main" id="{C49C3B31-811D-5A85-0EDE-0D9AA8AA9A0D}"/>
+                <a16:creationId xmlns:a16="http://schemas.microsoft.com/office/drawing/2014/main" id="{1F8DD741-2703-B26D-8E51-1033C7836FCD}"/>
               </a:ext>
             </a:extLst>
           </p:cNvPr>
@@ -2286,7 +2286,7 @@
           <p:cNvPr id="4" name="文本占位符 3">
             <a:extLst>
               <a:ext uri="{FF2B5EF4-FFF2-40B4-BE49-F238E27FC236}">
-                <a16:creationId xmlns:a16="http://schemas.microsoft.com/office/drawing/2014/main" id="{B686B366-FA9C-171C-2FB2-05E1B363440A}"/>
+                <a16:creationId xmlns:a16="http://schemas.microsoft.com/office/drawing/2014/main" id="{FE8BE5D7-31DF-B050-145B-CA68FC439049}"/>
               </a:ext>
             </a:extLst>
           </p:cNvPr>
@@ -2357,7 +2357,7 @@
           <p:cNvPr id="5" name="日期占位符 4">
             <a:extLst>
               <a:ext uri="{FF2B5EF4-FFF2-40B4-BE49-F238E27FC236}">
-                <a16:creationId xmlns:a16="http://schemas.microsoft.com/office/drawing/2014/main" id="{BEA7A6DF-4226-FFE7-BAF0-BBF0BF92C06C}"/>
+                <a16:creationId xmlns:a16="http://schemas.microsoft.com/office/drawing/2014/main" id="{DC905FEF-E277-0C25-79F2-15B86BBCD9B7}"/>
               </a:ext>
             </a:extLst>
           </p:cNvPr>
@@ -2373,7 +2373,7 @@
           <a:bodyPr/>
           <a:lstStyle/>
           <a:p>
-            <a:fld id="{8A0DCBBA-6041-45D5-BB47-FE98007F587C}" type="datetimeFigureOut">
+            <a:fld id="{4856C0A6-97CD-4C65-BA4F-DD3A8ED0C554}" type="datetimeFigureOut">
               <a:rPr lang="zh-CN" altLang="en-US" smtClean="0"/>
               <a:t>2024/3/10</a:t>
             </a:fld>
@@ -2386,7 +2386,7 @@
           <p:cNvPr id="6" name="页脚占位符 5">
             <a:extLst>
               <a:ext uri="{FF2B5EF4-FFF2-40B4-BE49-F238E27FC236}">
-                <a16:creationId xmlns:a16="http://schemas.microsoft.com/office/drawing/2014/main" id="{2596C011-F988-2FAB-F092-F9E4335EB22D}"/>
+                <a16:creationId xmlns:a16="http://schemas.microsoft.com/office/drawing/2014/main" id="{F4690823-8A04-A5FB-D3C9-587D0EAA82A6}"/>
               </a:ext>
             </a:extLst>
           </p:cNvPr>
@@ -2411,7 +2411,7 @@
           <p:cNvPr id="7" name="灯片编号占位符 6">
             <a:extLst>
               <a:ext uri="{FF2B5EF4-FFF2-40B4-BE49-F238E27FC236}">
-                <a16:creationId xmlns:a16="http://schemas.microsoft.com/office/drawing/2014/main" id="{BAAC66DE-0D34-FD08-28FD-53796796A3B8}"/>
+                <a16:creationId xmlns:a16="http://schemas.microsoft.com/office/drawing/2014/main" id="{8B7CF3D5-6CAC-5610-FDA6-686FF4405396}"/>
               </a:ext>
             </a:extLst>
           </p:cNvPr>
@@ -2427,7 +2427,7 @@
           <a:bodyPr/>
           <a:lstStyle/>
           <a:p>
-            <a:fld id="{52D721DD-80AD-42B4-B19A-83F4AFCF0740}" type="slidenum">
+            <a:fld id="{F06DA613-E83C-418E-8A67-312DCBF680E4}" type="slidenum">
               <a:rPr lang="zh-CN" altLang="en-US" smtClean="0"/>
               <a:t>‹#›</a:t>
             </a:fld>
@@ -2438,7 +2438,7 @@
     </p:spTree>
     <p:extLst>
       <p:ext uri="{BB962C8B-B14F-4D97-AF65-F5344CB8AC3E}">
-        <p14:creationId xmlns:p14="http://schemas.microsoft.com/office/powerpoint/2010/main" val="1793892771"/>
+        <p14:creationId xmlns:p14="http://schemas.microsoft.com/office/powerpoint/2010/main" val="2079637852"/>
       </p:ext>
     </p:extLst>
   </p:cSld>
@@ -2470,7 +2470,7 @@
           <p:cNvPr id="2" name="标题 1">
             <a:extLst>
               <a:ext uri="{FF2B5EF4-FFF2-40B4-BE49-F238E27FC236}">
-                <a16:creationId xmlns:a16="http://schemas.microsoft.com/office/drawing/2014/main" id="{F399BBDA-0435-8FEA-F5BB-F941B6C726A3}"/>
+                <a16:creationId xmlns:a16="http://schemas.microsoft.com/office/drawing/2014/main" id="{8B6B0A70-8ADC-F547-CA46-BAAB7A08C68F}"/>
               </a:ext>
             </a:extLst>
           </p:cNvPr>
@@ -2507,7 +2507,7 @@
           <p:cNvPr id="3" name="图片占位符 2">
             <a:extLst>
               <a:ext uri="{FF2B5EF4-FFF2-40B4-BE49-F238E27FC236}">
-                <a16:creationId xmlns:a16="http://schemas.microsoft.com/office/drawing/2014/main" id="{DA8D6D00-C457-A35C-8633-6E8FB35C8475}"/>
+                <a16:creationId xmlns:a16="http://schemas.microsoft.com/office/drawing/2014/main" id="{D7EF2438-7CE3-CF6A-B648-AAEEB9A8BCFE}"/>
               </a:ext>
             </a:extLst>
           </p:cNvPr>
@@ -2574,7 +2574,7 @@
           <p:cNvPr id="4" name="文本占位符 3">
             <a:extLst>
               <a:ext uri="{FF2B5EF4-FFF2-40B4-BE49-F238E27FC236}">
-                <a16:creationId xmlns:a16="http://schemas.microsoft.com/office/drawing/2014/main" id="{C4CA762E-FAD9-D067-1E3F-82617041CBE3}"/>
+                <a16:creationId xmlns:a16="http://schemas.microsoft.com/office/drawing/2014/main" id="{1E923EFF-2E8B-AF1A-7E26-E77967212D2E}"/>
               </a:ext>
             </a:extLst>
           </p:cNvPr>
@@ -2645,7 +2645,7 @@
           <p:cNvPr id="5" name="日期占位符 4">
             <a:extLst>
               <a:ext uri="{FF2B5EF4-FFF2-40B4-BE49-F238E27FC236}">
-                <a16:creationId xmlns:a16="http://schemas.microsoft.com/office/drawing/2014/main" id="{9078DDF6-00D9-B7AF-AB65-91975E1643EE}"/>
+                <a16:creationId xmlns:a16="http://schemas.microsoft.com/office/drawing/2014/main" id="{F63C430C-E12F-AE12-04B3-783993778DDE}"/>
               </a:ext>
             </a:extLst>
           </p:cNvPr>
@@ -2661,7 +2661,7 @@
           <a:bodyPr/>
           <a:lstStyle/>
           <a:p>
-            <a:fld id="{8A0DCBBA-6041-45D5-BB47-FE98007F587C}" type="datetimeFigureOut">
+            <a:fld id="{4856C0A6-97CD-4C65-BA4F-DD3A8ED0C554}" type="datetimeFigureOut">
               <a:rPr lang="zh-CN" altLang="en-US" smtClean="0"/>
               <a:t>2024/3/10</a:t>
             </a:fld>
@@ -2674,7 +2674,7 @@
           <p:cNvPr id="6" name="页脚占位符 5">
             <a:extLst>
               <a:ext uri="{FF2B5EF4-FFF2-40B4-BE49-F238E27FC236}">
-                <a16:creationId xmlns:a16="http://schemas.microsoft.com/office/drawing/2014/main" id="{143D97FF-F8EA-41BF-F978-7D02311E3F8D}"/>
+                <a16:creationId xmlns:a16="http://schemas.microsoft.com/office/drawing/2014/main" id="{4164C899-EEF8-FB44-1B79-B7DC8DF46BA8}"/>
               </a:ext>
             </a:extLst>
           </p:cNvPr>
@@ -2699,7 +2699,7 @@
           <p:cNvPr id="7" name="灯片编号占位符 6">
             <a:extLst>
               <a:ext uri="{FF2B5EF4-FFF2-40B4-BE49-F238E27FC236}">
-                <a16:creationId xmlns:a16="http://schemas.microsoft.com/office/drawing/2014/main" id="{1BD88857-9C48-EED6-EA25-5DFAC4D5132B}"/>
+                <a16:creationId xmlns:a16="http://schemas.microsoft.com/office/drawing/2014/main" id="{9938E5B9-A392-85DD-049A-6F0E0C69863E}"/>
               </a:ext>
             </a:extLst>
           </p:cNvPr>
@@ -2715,7 +2715,7 @@
           <a:bodyPr/>
           <a:lstStyle/>
           <a:p>
-            <a:fld id="{52D721DD-80AD-42B4-B19A-83F4AFCF0740}" type="slidenum">
+            <a:fld id="{F06DA613-E83C-418E-8A67-312DCBF680E4}" type="slidenum">
               <a:rPr lang="zh-CN" altLang="en-US" smtClean="0"/>
               <a:t>‹#›</a:t>
             </a:fld>
@@ -2726,7 +2726,7 @@
     </p:spTree>
     <p:extLst>
       <p:ext uri="{BB962C8B-B14F-4D97-AF65-F5344CB8AC3E}">
-        <p14:creationId xmlns:p14="http://schemas.microsoft.com/office/powerpoint/2010/main" val="3271368210"/>
+        <p14:creationId xmlns:p14="http://schemas.microsoft.com/office/powerpoint/2010/main" val="2443686140"/>
       </p:ext>
     </p:extLst>
   </p:cSld>
@@ -2763,7 +2763,7 @@
           <p:cNvPr id="2" name="标题占位符 1">
             <a:extLst>
               <a:ext uri="{FF2B5EF4-FFF2-40B4-BE49-F238E27FC236}">
-                <a16:creationId xmlns:a16="http://schemas.microsoft.com/office/drawing/2014/main" id="{08DD3FD7-ADC7-23F3-EC8D-B46C9F4C8F8D}"/>
+                <a16:creationId xmlns:a16="http://schemas.microsoft.com/office/drawing/2014/main" id="{7EFDE2A5-361F-8BE9-23E8-71978A86A1BE}"/>
               </a:ext>
             </a:extLst>
           </p:cNvPr>
@@ -2801,7 +2801,7 @@
           <p:cNvPr id="3" name="文本占位符 2">
             <a:extLst>
               <a:ext uri="{FF2B5EF4-FFF2-40B4-BE49-F238E27FC236}">
-                <a16:creationId xmlns:a16="http://schemas.microsoft.com/office/drawing/2014/main" id="{027452BA-83BC-91F2-BC98-67B501565F06}"/>
+                <a16:creationId xmlns:a16="http://schemas.microsoft.com/office/drawing/2014/main" id="{EAF79AD0-D852-AEFA-CE80-5DEB8CDF94A2}"/>
               </a:ext>
             </a:extLst>
           </p:cNvPr>
@@ -2868,7 +2868,7 @@
           <p:cNvPr id="4" name="日期占位符 3">
             <a:extLst>
               <a:ext uri="{FF2B5EF4-FFF2-40B4-BE49-F238E27FC236}">
-                <a16:creationId xmlns:a16="http://schemas.microsoft.com/office/drawing/2014/main" id="{BF8EEE21-8560-0C6D-2FA9-D1ABC8C33D94}"/>
+                <a16:creationId xmlns:a16="http://schemas.microsoft.com/office/drawing/2014/main" id="{CD3697A9-B733-346A-541A-B486EB22CAC4}"/>
               </a:ext>
             </a:extLst>
           </p:cNvPr>
@@ -2902,7 +2902,7 @@
             </a:lvl1pPr>
           </a:lstStyle>
           <a:p>
-            <a:fld id="{8A0DCBBA-6041-45D5-BB47-FE98007F587C}" type="datetimeFigureOut">
+            <a:fld id="{4856C0A6-97CD-4C65-BA4F-DD3A8ED0C554}" type="datetimeFigureOut">
               <a:rPr lang="zh-CN" altLang="en-US" smtClean="0"/>
               <a:t>2024/3/10</a:t>
             </a:fld>
@@ -2915,7 +2915,7 @@
           <p:cNvPr id="5" name="页脚占位符 4">
             <a:extLst>
               <a:ext uri="{FF2B5EF4-FFF2-40B4-BE49-F238E27FC236}">
-                <a16:creationId xmlns:a16="http://schemas.microsoft.com/office/drawing/2014/main" id="{12DF0ADF-73EB-7363-31C1-E37D26A0941F}"/>
+                <a16:creationId xmlns:a16="http://schemas.microsoft.com/office/drawing/2014/main" id="{0E921457-1507-2359-55D8-AF01C67E4787}"/>
               </a:ext>
             </a:extLst>
           </p:cNvPr>
@@ -2958,7 +2958,7 @@
           <p:cNvPr id="6" name="灯片编号占位符 5">
             <a:extLst>
               <a:ext uri="{FF2B5EF4-FFF2-40B4-BE49-F238E27FC236}">
-                <a16:creationId xmlns:a16="http://schemas.microsoft.com/office/drawing/2014/main" id="{A58E8948-5590-0585-4992-BB8E7DFE593E}"/>
+                <a16:creationId xmlns:a16="http://schemas.microsoft.com/office/drawing/2014/main" id="{E3DEB7C4-F326-A849-FAD9-434A6EF12E67}"/>
               </a:ext>
             </a:extLst>
           </p:cNvPr>
@@ -2992,7 +2992,7 @@
             </a:lvl1pPr>
           </a:lstStyle>
           <a:p>
-            <a:fld id="{52D721DD-80AD-42B4-B19A-83F4AFCF0740}" type="slidenum">
+            <a:fld id="{F06DA613-E83C-418E-8A67-312DCBF680E4}" type="slidenum">
               <a:rPr lang="zh-CN" altLang="en-US" smtClean="0"/>
               <a:t>‹#›</a:t>
             </a:fld>
@@ -3003,7 +3003,7 @@
     </p:spTree>
     <p:extLst>
       <p:ext uri="{BB962C8B-B14F-4D97-AF65-F5344CB8AC3E}">
-        <p14:creationId xmlns:p14="http://schemas.microsoft.com/office/powerpoint/2010/main" val="3535739195"/>
+        <p14:creationId xmlns:p14="http://schemas.microsoft.com/office/powerpoint/2010/main" val="3049775154"/>
       </p:ext>
     </p:extLst>
   </p:cSld>
